--- a/MAFS5130 Presentation - WONG Yan Kit.pptx
+++ b/MAFS5130 Presentation - WONG Yan Kit.pptx
@@ -3392,7 +3392,7 @@
         <a:p>
           <a:r>
             <a:rPr lang="en-US" altLang="zh-HK" sz="1500" dirty="0"/>
-            <a:t>Composite Score</a:t>
+            <a:t>Price Action Score</a:t>
           </a:r>
           <a:endParaRPr lang="zh-HK" altLang="en-US" sz="1500" dirty="0"/>
         </a:p>
@@ -4942,7 +4942,7 @@
           </a:pPr>
           <a:r>
             <a:rPr lang="en-US" altLang="zh-HK" sz="1500" kern="1200" dirty="0"/>
-            <a:t>Composite Score</a:t>
+            <a:t>Price Action Score</a:t>
           </a:r>
           <a:endParaRPr lang="zh-HK" altLang="en-US" sz="1500" kern="1200" dirty="0"/>
         </a:p>
@@ -14208,7 +14208,7 @@
           <a:p>
             <a:fld id="{D1D1EADE-8E88-4C7C-8AC5-FB148DE4940E}" type="datetime1">
               <a:rPr lang="en-US" smtClean="0"/>
-              <a:t>5/5/2025</a:t>
+              <a:t>5/7/2025</a:t>
             </a:fld>
             <a:endParaRPr lang="en-US"/>
           </a:p>
@@ -14408,7 +14408,7 @@
           <a:p>
             <a:fld id="{EC3C8B9C-477D-492A-96AD-1FC2CC997A73}" type="datetime1">
               <a:rPr lang="en-US" smtClean="0"/>
-              <a:t>5/5/2025</a:t>
+              <a:t>5/7/2025</a:t>
             </a:fld>
             <a:endParaRPr lang="en-US"/>
           </a:p>
@@ -14618,7 +14618,7 @@
           <a:p>
             <a:fld id="{42D3AED5-E26D-4E29-B1B3-7847B6779594}" type="datetime1">
               <a:rPr lang="en-US" smtClean="0"/>
-              <a:t>5/5/2025</a:t>
+              <a:t>5/7/2025</a:t>
             </a:fld>
             <a:endParaRPr lang="en-US"/>
           </a:p>
@@ -14818,7 +14818,7 @@
           <a:p>
             <a:fld id="{157B6794-849E-4626-908B-D15793550EFB}" type="datetime1">
               <a:rPr lang="en-US" smtClean="0"/>
-              <a:t>5/5/2025</a:t>
+              <a:t>5/7/2025</a:t>
             </a:fld>
             <a:endParaRPr lang="en-US"/>
           </a:p>
@@ -15094,7 +15094,7 @@
           <a:p>
             <a:fld id="{63DB64E7-5594-42A3-ADBF-E95A7ACEAD64}" type="datetime1">
               <a:rPr lang="en-US" smtClean="0"/>
-              <a:t>5/5/2025</a:t>
+              <a:t>5/7/2025</a:t>
             </a:fld>
             <a:endParaRPr lang="en-US"/>
           </a:p>
@@ -15367,7 +15367,7 @@
           <a:p>
             <a:fld id="{18462B0B-D248-4FFB-8695-AD7FA4B1284A}" type="datetime1">
               <a:rPr lang="en-US" smtClean="0"/>
-              <a:t>5/5/2025</a:t>
+              <a:t>5/7/2025</a:t>
             </a:fld>
             <a:endParaRPr lang="en-US"/>
           </a:p>
@@ -15790,7 +15790,7 @@
           <a:p>
             <a:fld id="{D0378EFB-9159-4510-B73F-4F0409ADE937}" type="datetime1">
               <a:rPr lang="en-US" smtClean="0"/>
-              <a:t>5/5/2025</a:t>
+              <a:t>5/7/2025</a:t>
             </a:fld>
             <a:endParaRPr lang="en-US"/>
           </a:p>
@@ -15932,7 +15932,7 @@
           <a:p>
             <a:fld id="{89BC9412-2452-4BED-A324-9D8C115361AD}" type="datetime1">
               <a:rPr lang="en-US" smtClean="0"/>
-              <a:t>5/5/2025</a:t>
+              <a:t>5/7/2025</a:t>
             </a:fld>
             <a:endParaRPr lang="en-US"/>
           </a:p>
@@ -16045,7 +16045,7 @@
           <a:p>
             <a:fld id="{F5318F62-D251-40E8-A23C-F4CFE9FEAB41}" type="datetime1">
               <a:rPr lang="en-US" smtClean="0"/>
-              <a:t>5/5/2025</a:t>
+              <a:t>5/7/2025</a:t>
             </a:fld>
             <a:endParaRPr lang="en-US"/>
           </a:p>
@@ -16358,7 +16358,7 @@
           <a:p>
             <a:fld id="{44F76144-149E-4874-93A5-554A0357CF82}" type="datetime1">
               <a:rPr lang="en-US" smtClean="0"/>
-              <a:t>5/5/2025</a:t>
+              <a:t>5/7/2025</a:t>
             </a:fld>
             <a:endParaRPr lang="en-US"/>
           </a:p>
@@ -16651,7 +16651,7 @@
           <a:p>
             <a:fld id="{50BA65D8-0540-4835-AE5C-25D29DBA01BE}" type="datetime1">
               <a:rPr lang="en-US" smtClean="0"/>
-              <a:t>5/5/2025</a:t>
+              <a:t>5/7/2025</a:t>
             </a:fld>
             <a:endParaRPr lang="en-US"/>
           </a:p>
@@ -16893,7 +16893,7 @@
           <a:p>
             <a:fld id="{E31BA835-12AC-4E8F-955A-EA3F4DE2791F}" type="datetime1">
               <a:rPr lang="en-US" smtClean="0"/>
-              <a:t>5/5/2025</a:t>
+              <a:t>5/7/2025</a:t>
             </a:fld>
             <a:endParaRPr lang="en-US"/>
           </a:p>
@@ -19683,7 +19683,15 @@
                 <a:p>
                   <a:r>
                     <a:rPr lang="en-US" altLang="zh-TW" sz="1400" dirty="0"/>
-                    <a:t>it has composite score from </a:t>
+                    <a:t>it has </a:t>
+                  </a:r>
+                  <a:r>
+                    <a:rPr lang="en-US" altLang="zh-HK" sz="1400" dirty="0"/>
+                    <a:t>Price Action score </a:t>
+                  </a:r>
+                  <a:r>
+                    <a:rPr lang="en-US" altLang="zh-TW" sz="1400" dirty="0"/>
+                    <a:t>from </a:t>
                   </a:r>
                 </a:p>
                 <a:p>
@@ -19810,7 +19818,7 @@
           <p:spPr>
             <a:xfrm>
               <a:off x="1074227" y="4348230"/>
-              <a:ext cx="1820765" cy="441604"/>
+              <a:ext cx="1890261" cy="441604"/>
             </a:xfrm>
             <a:prstGeom prst="roundRect">
               <a:avLst/>
@@ -19851,7 +19859,7 @@
               <a:pPr algn="ctr"/>
               <a:r>
                 <a:rPr lang="en-US" altLang="zh-HK" sz="1200" dirty="0"/>
-                <a:t>Long 5 Stocks with highest composite score </a:t>
+                <a:t>Long 5 Stocks with highest price action score </a:t>
               </a:r>
               <a:endParaRPr lang="zh-HK" altLang="en-US" sz="1200" dirty="0"/>
             </a:p>
@@ -22703,8 +22711,8 @@
             </p:nvSpPr>
             <p:spPr>
               <a:xfrm>
-                <a:off x="8433046" y="4465277"/>
-                <a:ext cx="2739828" cy="369332"/>
+                <a:off x="8078136" y="4465277"/>
+                <a:ext cx="3094738" cy="369332"/>
               </a:xfrm>
               <a:prstGeom prst="rect">
                 <a:avLst/>
@@ -22726,7 +22734,7 @@
                 <a:pPr algn="ctr"/>
                 <a:r>
                   <a:rPr lang="en-US" altLang="zh-TW" dirty="0"/>
-                  <a:t>Different composite score</a:t>
+                  <a:t>Different Price Action score</a:t>
                 </a:r>
                 <a:endParaRPr lang="zh-TW" altLang="en-US" dirty="0"/>
               </a:p>
@@ -23231,7 +23239,7 @@
         <p:spPr>
           <a:xfrm>
             <a:off x="4710559" y="5337357"/>
-            <a:ext cx="2770881" cy="563111"/>
+            <a:ext cx="2848481" cy="563111"/>
           </a:xfrm>
           <a:prstGeom prst="roundRect">
             <a:avLst/>
@@ -23271,7 +23279,7 @@
             <a:pPr algn="ctr"/>
             <a:r>
               <a:rPr lang="en-US" altLang="zh-HK" sz="1400" dirty="0"/>
-              <a:t>Same Top Stocks selection but with difference composite score</a:t>
+              <a:t>Same Top Stocks selection but with difference Price Action score</a:t>
             </a:r>
             <a:endParaRPr lang="zh-HK" altLang="en-US" sz="1400" dirty="0"/>
           </a:p>
@@ -23813,7 +23821,7 @@
               <a:pPr algn="ctr"/>
               <a:r>
                 <a:rPr lang="en-US" altLang="zh-HK" sz="1400" dirty="0"/>
-                <a:t>Long 5 Stocks with highest Increment of composite score (%)</a:t>
+                <a:t>Long 5 Stocks with highest Increment of Price Action (%)</a:t>
               </a:r>
               <a:endParaRPr lang="zh-HK" altLang="en-US" sz="1400" dirty="0"/>
             </a:p>
@@ -23890,7 +23898,7 @@
           <p:nvPr>
             <p:extLst>
               <p:ext uri="{D42A27DB-BD31-4B8C-83A1-F6EECF244321}">
-                <p14:modId xmlns:p14="http://schemas.microsoft.com/office/powerpoint/2010/main" val="3355565943"/>
+                <p14:modId xmlns:p14="http://schemas.microsoft.com/office/powerpoint/2010/main" val="3396819548"/>
               </p:ext>
             </p:extLst>
           </p:nvPr>
@@ -23957,7 +23965,7 @@
                     <a:p>
                       <a:r>
                         <a:rPr lang="en-US" altLang="zh-HK" sz="1100" dirty="0"/>
-                        <a:t>Composite score with Yield</a:t>
+                        <a:t>Price Action score with Yield</a:t>
                       </a:r>
                       <a:endParaRPr lang="zh-HK" altLang="en-US" sz="1100" dirty="0"/>
                     </a:p>
@@ -23988,7 +23996,7 @@
                       </a:pPr>
                       <a:r>
                         <a:rPr lang="en-US" altLang="zh-HK" sz="1100" dirty="0"/>
-                        <a:t>Composite score without Yield</a:t>
+                        <a:t>Price Action without Yield</a:t>
                       </a:r>
                       <a:endParaRPr lang="zh-HK" altLang="en-US" sz="1100" dirty="0"/>
                     </a:p>
@@ -24005,7 +24013,7 @@
                     <a:p>
                       <a:r>
                         <a:rPr lang="en-US" altLang="zh-HK" sz="1100" dirty="0"/>
-                        <a:t>Increment of composite score (%)</a:t>
+                        <a:t>Increment of Price Action (%)</a:t>
                       </a:r>
                       <a:endParaRPr lang="zh-HK" altLang="en-US" sz="1100" dirty="0"/>
                     </a:p>
@@ -24303,8 +24311,8 @@
         </p:nvSpPr>
         <p:spPr>
           <a:xfrm>
-            <a:off x="5420352" y="5728845"/>
-            <a:ext cx="5800642" cy="491719"/>
+            <a:off x="5110480" y="5728845"/>
+            <a:ext cx="6110514" cy="491719"/>
           </a:xfrm>
           <a:prstGeom prst="roundRect">
             <a:avLst/>
@@ -24344,7 +24352,7 @@
             <a:pPr algn="ctr"/>
             <a:r>
               <a:rPr lang="en-US" altLang="zh-HK" sz="1400" dirty="0"/>
-              <a:t>Increment of composite score represents the effect of adding Yield Curve</a:t>
+              <a:t>Increment of price action score represents the effect of adding Yield Curve</a:t>
             </a:r>
             <a:endParaRPr lang="zh-HK" altLang="en-US" sz="1400" dirty="0"/>
           </a:p>
@@ -24459,7 +24467,7 @@
           <p:nvPr>
             <p:extLst>
               <p:ext uri="{D42A27DB-BD31-4B8C-83A1-F6EECF244321}">
-                <p14:modId xmlns:p14="http://schemas.microsoft.com/office/powerpoint/2010/main" val="2031188286"/>
+                <p14:modId xmlns:p14="http://schemas.microsoft.com/office/powerpoint/2010/main" val="1829606133"/>
               </p:ext>
             </p:extLst>
           </p:nvPr>
@@ -24706,7 +24714,7 @@
                           </a:solidFill>
                           <a:effectLst/>
                         </a:rPr>
-                        <a:t>Composite score difference</a:t>
+                        <a:t>Price action score difference</a:t>
                       </a:r>
                       <a:endParaRPr lang="zh-HK" altLang="en-US" sz="1100" dirty="0"/>
                     </a:p>
@@ -27715,7 +27723,7 @@
               <p:nvPr>
                 <p:extLst>
                   <p:ext uri="{D42A27DB-BD31-4B8C-83A1-F6EECF244321}">
-                    <p14:modId xmlns:p14="http://schemas.microsoft.com/office/powerpoint/2010/main" val="3373731332"/>
+                    <p14:modId xmlns:p14="http://schemas.microsoft.com/office/powerpoint/2010/main" val="2373905090"/>
                   </p:ext>
                 </p:extLst>
               </p:nvPr>
